--- a/PowerPoints/Phase 3 - Claims Terminology/018 Re-Adjudicating Claims.pptx
+++ b/PowerPoints/Phase 3 - Claims Terminology/018 Re-Adjudicating Claims.pptx
@@ -7,10 +7,8 @@
   </p:sldMasterIdLst>
   <p:sldIdLst>
     <p:sldId id="256" r:id="rId3"/>
-    <p:sldId id="257" r:id="rId4"/>
-    <p:sldId id="258" r:id="rId5"/>
-    <p:sldId id="259" r:id="rId6"/>
-    <p:sldId id="260" r:id="rId7"/>
+    <p:sldId id="259" r:id="rId4"/>
+    <p:sldId id="260" r:id="rId5"/>
   </p:sldIdLst>
   <p:sldSz cx="12192000" cy="6858000"/>
   <p:notesSz cx="6858000" cy="9144000"/>
@@ -254,7 +252,7 @@
           <a:p>
             <a:fld id="{FF632088-7E42-4B13-8645-6CA4616862AF}" type="datetimeFigureOut">
               <a:rPr lang="en-US" smtClean="0"/>
-              <a:t>3/2/2016</a:t>
+              <a:t>3/3/2016</a:t>
             </a:fld>
             <a:endParaRPr lang="en-US"/>
           </a:p>
@@ -424,7 +422,7 @@
           <a:p>
             <a:fld id="{FF632088-7E42-4B13-8645-6CA4616862AF}" type="datetimeFigureOut">
               <a:rPr lang="en-US" smtClean="0"/>
-              <a:t>3/2/2016</a:t>
+              <a:t>3/3/2016</a:t>
             </a:fld>
             <a:endParaRPr lang="en-US"/>
           </a:p>
@@ -604,7 +602,7 @@
           <a:p>
             <a:fld id="{FF632088-7E42-4B13-8645-6CA4616862AF}" type="datetimeFigureOut">
               <a:rPr lang="en-US" smtClean="0"/>
-              <a:t>3/2/2016</a:t>
+              <a:t>3/3/2016</a:t>
             </a:fld>
             <a:endParaRPr lang="en-US"/>
           </a:p>
@@ -804,7 +802,7 @@
           <a:p>
             <a:fld id="{FF632088-7E42-4B13-8645-6CA4616862AF}" type="datetimeFigureOut">
               <a:rPr lang="en-US" smtClean="0"/>
-              <a:t>3/2/2016</a:t>
+              <a:t>3/3/2016</a:t>
             </a:fld>
             <a:endParaRPr lang="en-US"/>
           </a:p>
@@ -1021,7 +1019,7 @@
           <a:p>
             <a:fld id="{FF632088-7E42-4B13-8645-6CA4616862AF}" type="datetimeFigureOut">
               <a:rPr lang="en-US" smtClean="0"/>
-              <a:t>3/2/2016</a:t>
+              <a:t>3/3/2016</a:t>
             </a:fld>
             <a:endParaRPr lang="en-US"/>
           </a:p>
@@ -1306,7 +1304,7 @@
           <a:p>
             <a:fld id="{FF632088-7E42-4B13-8645-6CA4616862AF}" type="datetimeFigureOut">
               <a:rPr lang="en-US" smtClean="0"/>
-              <a:t>3/2/2016</a:t>
+              <a:t>3/3/2016</a:t>
             </a:fld>
             <a:endParaRPr lang="en-US"/>
           </a:p>
@@ -1580,7 +1578,7 @@
           <a:p>
             <a:fld id="{FF632088-7E42-4B13-8645-6CA4616862AF}" type="datetimeFigureOut">
               <a:rPr lang="en-US" smtClean="0"/>
-              <a:t>3/2/2016</a:t>
+              <a:t>3/3/2016</a:t>
             </a:fld>
             <a:endParaRPr lang="en-US"/>
           </a:p>
@@ -1677,7 +1675,7 @@
   </p:clrMapOvr>
   <p:extLst>
     <p:ext uri="{DCECCB84-F9BA-43D5-87BE-67443E8EF086}">
-      <p15:sldGuideLst xmlns="" xmlns:p15="http://schemas.microsoft.com/office/powerpoint/2012/main"/>
+      <p15:sldGuideLst xmlns:p15="http://schemas.microsoft.com/office/powerpoint/2012/main" xmlns=""/>
     </p:ext>
   </p:extLst>
 </p:sldLayout>
@@ -2007,7 +2005,7 @@
           <a:p>
             <a:fld id="{FF632088-7E42-4B13-8645-6CA4616862AF}" type="datetimeFigureOut">
               <a:rPr lang="en-US" smtClean="0"/>
-              <a:t>3/2/2016</a:t>
+              <a:t>3/3/2016</a:t>
             </a:fld>
             <a:endParaRPr lang="en-US"/>
           </a:p>
@@ -2104,7 +2102,7 @@
   </p:clrMapOvr>
   <p:extLst>
     <p:ext uri="{DCECCB84-F9BA-43D5-87BE-67443E8EF086}">
-      <p15:sldGuideLst xmlns="" xmlns:p15="http://schemas.microsoft.com/office/powerpoint/2012/main"/>
+      <p15:sldGuideLst xmlns:p15="http://schemas.microsoft.com/office/powerpoint/2012/main" xmlns=""/>
     </p:ext>
   </p:extLst>
 </p:sldLayout>
@@ -2167,7 +2165,7 @@
           <a:p>
             <a:fld id="{FF632088-7E42-4B13-8645-6CA4616862AF}" type="datetimeFigureOut">
               <a:rPr lang="en-US" smtClean="0"/>
-              <a:t>3/2/2016</a:t>
+              <a:t>3/3/2016</a:t>
             </a:fld>
             <a:endParaRPr lang="en-US"/>
           </a:p>
@@ -2299,7 +2297,7 @@
           <a:p>
             <a:fld id="{FF632088-7E42-4B13-8645-6CA4616862AF}" type="datetimeFigureOut">
               <a:rPr lang="en-US" smtClean="0"/>
-              <a:t>3/2/2016</a:t>
+              <a:t>3/3/2016</a:t>
             </a:fld>
             <a:endParaRPr lang="en-US"/>
           </a:p>
@@ -2550,7 +2548,7 @@
           <a:p>
             <a:fld id="{FF632088-7E42-4B13-8645-6CA4616862AF}" type="datetimeFigureOut">
               <a:rPr lang="en-US" smtClean="0"/>
-              <a:t>3/2/2016</a:t>
+              <a:t>3/3/2016</a:t>
             </a:fld>
             <a:endParaRPr lang="en-US"/>
           </a:p>
@@ -2647,7 +2645,7 @@
   </p:clrMapOvr>
   <p:extLst>
     <p:ext uri="{DCECCB84-F9BA-43D5-87BE-67443E8EF086}">
-      <p15:sldGuideLst xmlns="" xmlns:p15="http://schemas.microsoft.com/office/powerpoint/2012/main"/>
+      <p15:sldGuideLst xmlns:p15="http://schemas.microsoft.com/office/powerpoint/2012/main" xmlns=""/>
     </p:ext>
   </p:extLst>
 </p:sldLayout>
@@ -2762,7 +2760,7 @@
           <a:p>
             <a:fld id="{FF632088-7E42-4B13-8645-6CA4616862AF}" type="datetimeFigureOut">
               <a:rPr lang="en-US" smtClean="0"/>
-              <a:t>3/2/2016</a:t>
+              <a:t>3/3/2016</a:t>
             </a:fld>
             <a:endParaRPr lang="en-US"/>
           </a:p>
@@ -3180,7 +3178,7 @@
           <a:p>
             <a:fld id="{FF632088-7E42-4B13-8645-6CA4616862AF}" type="datetimeFigureOut">
               <a:rPr lang="en-US" smtClean="0"/>
-              <a:t>3/2/2016</a:t>
+              <a:t>3/3/2016</a:t>
             </a:fld>
             <a:endParaRPr lang="en-US"/>
           </a:p>
@@ -3392,7 +3390,7 @@
           <a:p>
             <a:fld id="{FF632088-7E42-4B13-8645-6CA4616862AF}" type="datetimeFigureOut">
               <a:rPr lang="en-US" smtClean="0"/>
-              <a:t>3/2/2016</a:t>
+              <a:t>3/3/2016</a:t>
             </a:fld>
             <a:endParaRPr lang="en-US"/>
           </a:p>
@@ -3613,7 +3611,7 @@
           <a:p>
             <a:fld id="{FF632088-7E42-4B13-8645-6CA4616862AF}" type="datetimeFigureOut">
               <a:rPr lang="en-US" smtClean="0"/>
-              <a:t>3/2/2016</a:t>
+              <a:t>3/3/2016</a:t>
             </a:fld>
             <a:endParaRPr lang="en-US"/>
           </a:p>
@@ -3901,7 +3899,7 @@
           <a:p>
             <a:fld id="{FF632088-7E42-4B13-8645-6CA4616862AF}" type="datetimeFigureOut">
               <a:rPr lang="en-US" smtClean="0"/>
-              <a:t>3/2/2016</a:t>
+              <a:t>3/3/2016</a:t>
             </a:fld>
             <a:endParaRPr lang="en-US"/>
           </a:p>
@@ -4133,7 +4131,7 @@
           <a:p>
             <a:fld id="{FF632088-7E42-4B13-8645-6CA4616862AF}" type="datetimeFigureOut">
               <a:rPr lang="en-US" smtClean="0"/>
-              <a:t>3/2/2016</a:t>
+              <a:t>3/3/2016</a:t>
             </a:fld>
             <a:endParaRPr lang="en-US"/>
           </a:p>
@@ -4193,7 +4191,7 @@
   </p:clrMapOvr>
   <p:extLst>
     <p:ext uri="{DCECCB84-F9BA-43D5-87BE-67443E8EF086}">
-      <p15:sldGuideLst xmlns="" xmlns:p15="http://schemas.microsoft.com/office/powerpoint/2012/main"/>
+      <p15:sldGuideLst xmlns:p15="http://schemas.microsoft.com/office/powerpoint/2012/main" xmlns=""/>
     </p:ext>
   </p:extLst>
 </p:sldLayout>
@@ -4485,7 +4483,7 @@
           <a:p>
             <a:fld id="{FF632088-7E42-4B13-8645-6CA4616862AF}" type="datetimeFigureOut">
               <a:rPr lang="en-US" smtClean="0"/>
-              <a:t>3/2/2016</a:t>
+              <a:t>3/3/2016</a:t>
             </a:fld>
             <a:endParaRPr lang="en-US"/>
           </a:p>
@@ -4568,7 +4566,7 @@
   </p:clrMapOvr>
   <p:extLst>
     <p:ext uri="{DCECCB84-F9BA-43D5-87BE-67443E8EF086}">
-      <p15:sldGuideLst xmlns="" xmlns:p15="http://schemas.microsoft.com/office/powerpoint/2012/main"/>
+      <p15:sldGuideLst xmlns:p15="http://schemas.microsoft.com/office/powerpoint/2012/main" xmlns=""/>
     </p:ext>
   </p:extLst>
 </p:sldLayout>
@@ -4608,7 +4606,7 @@
           <a:p>
             <a:fld id="{FF632088-7E42-4B13-8645-6CA4616862AF}" type="datetimeFigureOut">
               <a:rPr lang="en-US" smtClean="0"/>
-              <a:t>3/2/2016</a:t>
+              <a:t>3/3/2016</a:t>
             </a:fld>
             <a:endParaRPr lang="en-US"/>
           </a:p>
@@ -4726,7 +4724,7 @@
           <a:p>
             <a:fld id="{FF632088-7E42-4B13-8645-6CA4616862AF}" type="datetimeFigureOut">
               <a:rPr lang="en-US" smtClean="0"/>
-              <a:t>3/2/2016</a:t>
+              <a:t>3/3/2016</a:t>
             </a:fld>
             <a:endParaRPr lang="en-US"/>
           </a:p>
@@ -5010,7 +5008,7 @@
           <a:p>
             <a:fld id="{FF632088-7E42-4B13-8645-6CA4616862AF}" type="datetimeFigureOut">
               <a:rPr lang="en-US" smtClean="0"/>
-              <a:t>3/2/2016</a:t>
+              <a:t>3/3/2016</a:t>
             </a:fld>
             <a:endParaRPr lang="en-US"/>
           </a:p>
@@ -5070,7 +5068,7 @@
   </p:clrMapOvr>
   <p:extLst>
     <p:ext uri="{DCECCB84-F9BA-43D5-87BE-67443E8EF086}">
-      <p15:sldGuideLst xmlns="" xmlns:p15="http://schemas.microsoft.com/office/powerpoint/2012/main"/>
+      <p15:sldGuideLst xmlns:p15="http://schemas.microsoft.com/office/powerpoint/2012/main" xmlns=""/>
     </p:ext>
   </p:extLst>
 </p:sldLayout>
@@ -5279,7 +5277,7 @@
           <a:p>
             <a:fld id="{FF632088-7E42-4B13-8645-6CA4616862AF}" type="datetimeFigureOut">
               <a:rPr lang="en-US" smtClean="0"/>
-              <a:t>3/2/2016</a:t>
+              <a:t>3/3/2016</a:t>
             </a:fld>
             <a:endParaRPr lang="en-US"/>
           </a:p>
@@ -5493,7 +5491,7 @@
           <a:p>
             <a:fld id="{FF632088-7E42-4B13-8645-6CA4616862AF}" type="datetimeFigureOut">
               <a:rPr lang="en-US" smtClean="0"/>
-              <a:t>3/2/2016</a:t>
+              <a:t>3/3/2016</a:t>
             </a:fld>
             <a:endParaRPr lang="en-US"/>
           </a:p>
@@ -5869,7 +5867,7 @@
   </p:txStyles>
   <p:extLst>
     <p:ext uri="{27BBF7A9-308A-43DC-89C8-2F10F3537804}">
-      <p15:sldGuideLst xmlns="" xmlns:p15="http://schemas.microsoft.com/office/powerpoint/2012/main"/>
+      <p15:sldGuideLst xmlns:p15="http://schemas.microsoft.com/office/powerpoint/2012/main" xmlns=""/>
     </p:ext>
   </p:extLst>
 </p:sldMaster>
@@ -6098,7 +6096,7 @@
           <a:p>
             <a:fld id="{FF632088-7E42-4B13-8645-6CA4616862AF}" type="datetimeFigureOut">
               <a:rPr lang="en-US" smtClean="0"/>
-              <a:t>3/2/2016</a:t>
+              <a:t>3/3/2016</a:t>
             </a:fld>
             <a:endParaRPr lang="en-US"/>
           </a:p>
@@ -6566,7 +6564,7 @@
   </p:txStyles>
   <p:extLst>
     <p:ext uri="{27BBF7A9-308A-43DC-89C8-2F10F3537804}">
-      <p15:sldGuideLst xmlns="" xmlns:p15="http://schemas.microsoft.com/office/powerpoint/2012/main"/>
+      <p15:sldGuideLst xmlns:p15="http://schemas.microsoft.com/office/powerpoint/2012/main" xmlns=""/>
     </p:ext>
   </p:extLst>
 </p:sldMaster>
@@ -6680,7 +6678,11 @@
           <a:bodyPr/>
           <a:lstStyle/>
           <a:p>
-            <a:endParaRPr lang="en-US"/>
+            <a:r>
+              <a:rPr lang="en-US" dirty="0" smtClean="0"/>
+              <a:t>Re-adjudication and Claims Versioning</a:t>
+            </a:r>
+            <a:endParaRPr lang="en-US" dirty="0"/>
           </a:p>
         </p:txBody>
       </p:sp>
@@ -6694,11 +6696,38 @@
             <p:ph idx="1"/>
           </p:nvPr>
         </p:nvSpPr>
-        <p:spPr/>
-        <p:txBody>
-          <a:bodyPr/>
-          <a:lstStyle/>
-          <a:p>
+        <p:spPr>
+          <a:xfrm>
+            <a:off x="1534696" y="2015732"/>
+            <a:ext cx="9520158" cy="4004924"/>
+          </a:xfrm>
+        </p:spPr>
+        <p:txBody>
+          <a:bodyPr/>
+          <a:lstStyle/>
+          <a:p>
+            <a:r>
+              <a:rPr lang="en-US" dirty="0" smtClean="0"/>
+              <a:t>Insurance organizations frequently review claims to verify that the correct payment has been made.</a:t>
+            </a:r>
+          </a:p>
+          <a:p>
+            <a:r>
+              <a:rPr lang="en-US" dirty="0" smtClean="0"/>
+              <a:t>When an incorrect payment is found, the claim is “re-adjudicated” to calculate the amount that should have been paid.  The incorrect payment is “backed-out” and the correct payment is recorded.</a:t>
+            </a:r>
+          </a:p>
+          <a:p>
+            <a:r>
+              <a:rPr lang="en-US" dirty="0" smtClean="0"/>
+              <a:t>This can create multiple versions of a claim in the APCD.</a:t>
+            </a:r>
+          </a:p>
+          <a:p>
+            <a:r>
+              <a:rPr lang="en-US" dirty="0" smtClean="0"/>
+              <a:t>A “Highest Version Indicator” field has been created to identify the most recent version of the claim. </a:t>
+            </a:r>
             <a:endParaRPr lang="en-US" dirty="0"/>
           </a:p>
         </p:txBody>
@@ -6706,7 +6735,7 @@
     </p:spTree>
     <p:extLst>
       <p:ext uri="{BB962C8B-B14F-4D97-AF65-F5344CB8AC3E}">
-        <p14:creationId xmlns:p14="http://schemas.microsoft.com/office/powerpoint/2010/main" val="3205627481"/>
+        <p14:creationId xmlns:p14="http://schemas.microsoft.com/office/powerpoint/2010/main" val="595556870"/>
       </p:ext>
     </p:extLst>
   </p:cSld>
@@ -6748,7 +6777,11 @@
           <a:bodyPr/>
           <a:lstStyle/>
           <a:p>
-            <a:endParaRPr lang="en-US"/>
+            <a:r>
+              <a:rPr lang="en-US" smtClean="0"/>
+              <a:t>References</a:t>
+            </a:r>
+            <a:endParaRPr lang="en-US" dirty="0"/>
           </a:p>
         </p:txBody>
       </p:sp>
@@ -6767,145 +6800,20 @@
           <a:bodyPr/>
           <a:lstStyle/>
           <a:p>
-            <a:endParaRPr lang="en-US" dirty="0"/>
-          </a:p>
-        </p:txBody>
-      </p:sp>
-    </p:spTree>
-    <p:extLst>
-      <p:ext uri="{BB962C8B-B14F-4D97-AF65-F5344CB8AC3E}">
-        <p14:creationId xmlns:p14="http://schemas.microsoft.com/office/powerpoint/2010/main" val="595556870"/>
-      </p:ext>
-    </p:extLst>
-  </p:cSld>
-  <p:clrMapOvr>
-    <a:masterClrMapping/>
-  </p:clrMapOvr>
-</p:sld>
-</file>
-
-<file path=ppt/slides/slide4.xml><?xml version="1.0" encoding="utf-8"?>
-<p:sld xmlns:a="http://schemas.openxmlformats.org/drawingml/2006/main" xmlns:r="http://schemas.openxmlformats.org/officeDocument/2006/relationships" xmlns:p="http://schemas.openxmlformats.org/presentationml/2006/main">
-  <p:cSld>
-    <p:spTree>
-      <p:nvGrpSpPr>
-        <p:cNvPr id="1" name=""/>
-        <p:cNvGrpSpPr/>
-        <p:nvPr/>
-      </p:nvGrpSpPr>
-      <p:grpSpPr>
-        <a:xfrm>
-          <a:off x="0" y="0"/>
-          <a:ext cx="0" cy="0"/>
-          <a:chOff x="0" y="0"/>
-          <a:chExt cx="0" cy="0"/>
-        </a:xfrm>
-      </p:grpSpPr>
-      <p:sp>
-        <p:nvSpPr>
-          <p:cNvPr id="2" name="Title 1"/>
-          <p:cNvSpPr>
-            <a:spLocks noGrp="1"/>
-          </p:cNvSpPr>
-          <p:nvPr>
-            <p:ph type="title"/>
-          </p:nvPr>
-        </p:nvSpPr>
-        <p:spPr/>
-        <p:txBody>
-          <a:bodyPr/>
-          <a:lstStyle/>
-          <a:p>
-            <a:endParaRPr lang="en-US"/>
-          </a:p>
-        </p:txBody>
-      </p:sp>
-      <p:sp>
-        <p:nvSpPr>
-          <p:cNvPr id="3" name="Content Placeholder 2"/>
-          <p:cNvSpPr>
-            <a:spLocks noGrp="1"/>
-          </p:cNvSpPr>
-          <p:nvPr>
-            <p:ph idx="1"/>
-          </p:nvPr>
-        </p:nvSpPr>
-        <p:spPr/>
-        <p:txBody>
-          <a:bodyPr/>
-          <a:lstStyle/>
-          <a:p>
-            <a:endParaRPr lang="en-US" dirty="0"/>
-          </a:p>
-        </p:txBody>
-      </p:sp>
-    </p:spTree>
-    <p:extLst>
-      <p:ext uri="{BB962C8B-B14F-4D97-AF65-F5344CB8AC3E}">
-        <p14:creationId xmlns:p14="http://schemas.microsoft.com/office/powerpoint/2010/main" val="595556870"/>
-      </p:ext>
-    </p:extLst>
-  </p:cSld>
-  <p:clrMapOvr>
-    <a:masterClrMapping/>
-  </p:clrMapOvr>
-</p:sld>
-</file>
-
-<file path=ppt/slides/slide5.xml><?xml version="1.0" encoding="utf-8"?>
-<p:sld xmlns:a="http://schemas.openxmlformats.org/drawingml/2006/main" xmlns:r="http://schemas.openxmlformats.org/officeDocument/2006/relationships" xmlns:p="http://schemas.openxmlformats.org/presentationml/2006/main">
-  <p:cSld>
-    <p:spTree>
-      <p:nvGrpSpPr>
-        <p:cNvPr id="1" name=""/>
-        <p:cNvGrpSpPr/>
-        <p:nvPr/>
-      </p:nvGrpSpPr>
-      <p:grpSpPr>
-        <a:xfrm>
-          <a:off x="0" y="0"/>
-          <a:ext cx="0" cy="0"/>
-          <a:chOff x="0" y="0"/>
-          <a:chExt cx="0" cy="0"/>
-        </a:xfrm>
-      </p:grpSpPr>
-      <p:sp>
-        <p:nvSpPr>
-          <p:cNvPr id="2" name="Title 1"/>
-          <p:cNvSpPr>
-            <a:spLocks noGrp="1"/>
-          </p:cNvSpPr>
-          <p:nvPr>
-            <p:ph type="title"/>
-          </p:nvPr>
-        </p:nvSpPr>
-        <p:spPr/>
-        <p:txBody>
-          <a:bodyPr/>
-          <a:lstStyle/>
-          <a:p>
-            <a:r>
-              <a:rPr lang="en-US" smtClean="0"/>
-              <a:t>References</a:t>
-            </a:r>
-            <a:endParaRPr lang="en-US" dirty="0"/>
-          </a:p>
-        </p:txBody>
-      </p:sp>
-      <p:sp>
-        <p:nvSpPr>
-          <p:cNvPr id="3" name="Content Placeholder 2"/>
-          <p:cNvSpPr>
-            <a:spLocks noGrp="1"/>
-          </p:cNvSpPr>
-          <p:nvPr>
-            <p:ph idx="1"/>
-          </p:nvPr>
-        </p:nvSpPr>
-        <p:spPr/>
-        <p:txBody>
-          <a:bodyPr/>
-          <a:lstStyle/>
+            <a:r>
+              <a:rPr lang="en-US" dirty="0">
+                <a:hlinkClick r:id="rId2"/>
+              </a:rPr>
+              <a:t>http://</a:t>
+            </a:r>
+            <a:r>
+              <a:rPr lang="en-US" dirty="0" smtClean="0">
+                <a:hlinkClick r:id="rId2"/>
+              </a:rPr>
+              <a:t>www.chiamass.gov/assets/docs/p/apcd/CHIADOCS-GOVT-APCD-FINAL-10-27.pdf</a:t>
+            </a:r>
+            <a:endParaRPr lang="en-US" dirty="0" smtClean="0"/>
+          </a:p>
           <a:p>
             <a:endParaRPr lang="en-US" dirty="0"/>
           </a:p>
@@ -7424,7 +7332,7 @@
   <a:extraClrSchemeLst/>
   <a:extLst>
     <a:ext uri="{05A4C25C-085E-4340-85A3-A5531E510DB2}">
-      <thm15:themeFamily xmlns="" xmlns:thm15="http://schemas.microsoft.com/office/thememl/2012/main" name="Gallery" id="{BBFCD31E-59A1-489D-B089-A3EAD7CAE12E}" vid="{AC464412-510E-4F2B-8947-A0DDBD028997}"/>
+      <thm15:themeFamily xmlns:thm15="http://schemas.microsoft.com/office/thememl/2012/main" xmlns="" name="Gallery" id="{BBFCD31E-59A1-489D-B089-A3EAD7CAE12E}" vid="{AC464412-510E-4F2B-8947-A0DDBD028997}"/>
     </a:ext>
   </a:extLst>
 </a:theme>
